--- a/Medical Insurance Cost.pptx
+++ b/Medical Insurance Cost.pptx
@@ -6087,52 +6087,20 @@
         </p:spPr>
         <p:txBody>
           <a:bodyPr>
-            <a:normAutofit fontScale="90000"/>
+            <a:normAutofit/>
           </a:bodyPr>
           <a:lstStyle/>
           <a:p>
             <a:pPr algn="l"/>
             <a:r>
               <a:rPr lang="en-US" sz="4400" dirty="0"/>
-              <a:t>Machine learning Algorithm</a:t>
+              <a:t>EDA and </a:t>
+            </a:r>
+            <a:r>
+              <a:rPr lang="en-US" sz="4400" dirty="0" err="1"/>
+              <a:t>vitualization</a:t>
             </a:r>
             <a:endParaRPr lang="th-TH" sz="4400" dirty="0"/>
-          </a:p>
-        </p:txBody>
-      </p:sp>
-      <p:sp>
-        <p:nvSpPr>
-          <p:cNvPr id="3" name="Content Placeholder 2">
-            <a:extLst>
-              <a:ext uri="{FF2B5EF4-FFF2-40B4-BE49-F238E27FC236}">
-                <a16:creationId xmlns:a16="http://schemas.microsoft.com/office/drawing/2014/main" id="{15957FC5-F73B-4FB5-8314-4007FCE1309F}"/>
-              </a:ext>
-            </a:extLst>
-          </p:cNvPr>
-          <p:cNvSpPr>
-            <a:spLocks noGrp="1"/>
-          </p:cNvSpPr>
-          <p:nvPr>
-            <p:ph idx="1"/>
-          </p:nvPr>
-        </p:nvSpPr>
-        <p:spPr>
-          <a:xfrm>
-            <a:off x="685800" y="1661820"/>
-            <a:ext cx="5675243" cy="524787"/>
-          </a:xfrm>
-        </p:spPr>
-        <p:txBody>
-          <a:bodyPr>
-            <a:normAutofit lnSpcReduction="10000"/>
-          </a:bodyPr>
-          <a:lstStyle/>
-          <a:p>
-            <a:r>
-              <a:rPr lang="en-US" sz="3200" dirty="0"/>
-              <a:t>Linear Regression</a:t>
-            </a:r>
-            <a:endParaRPr lang="th-TH" sz="3200" dirty="0"/>
           </a:p>
         </p:txBody>
       </p:sp>
@@ -6267,18 +6235,62 @@
             <a:pPr algn="l"/>
             <a:r>
               <a:rPr lang="en-US" sz="6000" dirty="0"/>
-              <a:t>Train</a:t>
+              <a:t>Training</a:t>
             </a:r>
             <a:endParaRPr lang="th-TH" dirty="0"/>
+          </a:p>
+        </p:txBody>
+      </p:sp>
+      <p:sp>
+        <p:nvSpPr>
+          <p:cNvPr id="9" name="Content Placeholder 8">
+            <a:extLst>
+              <a:ext uri="{FF2B5EF4-FFF2-40B4-BE49-F238E27FC236}">
+                <a16:creationId xmlns:a16="http://schemas.microsoft.com/office/drawing/2014/main" id="{F8E31A1A-2608-430E-838D-3FC0B975E47F}"/>
+              </a:ext>
+            </a:extLst>
+          </p:cNvPr>
+          <p:cNvSpPr>
+            <a:spLocks noGrp="1"/>
+          </p:cNvSpPr>
+          <p:nvPr>
+            <p:ph idx="1"/>
+          </p:nvPr>
+        </p:nvSpPr>
+        <p:spPr>
+          <a:xfrm>
+            <a:off x="685800" y="1707427"/>
+            <a:ext cx="10820400" cy="566645"/>
+          </a:xfrm>
+        </p:spPr>
+        <p:txBody>
+          <a:bodyPr>
+            <a:normAutofit/>
+          </a:bodyPr>
+          <a:lstStyle/>
+          <a:p>
+            <a:r>
+              <a:rPr lang="en-US" sz="2800" dirty="0"/>
+              <a:t>Polynomial</a:t>
+            </a:r>
+            <a:r>
+              <a:rPr lang="th-TH" sz="2800" dirty="0"/>
+              <a:t> </a:t>
+            </a:r>
+            <a:r>
+              <a:rPr lang="en-GB" sz="3200" dirty="0"/>
+              <a:t>regression</a:t>
+            </a:r>
+            <a:endParaRPr lang="en-GB" sz="2800" dirty="0"/>
           </a:p>
         </p:txBody>
       </p:sp>
       <p:pic>
         <p:nvPicPr>
-          <p:cNvPr id="7" name="Picture 6">
+          <p:cNvPr id="18" name="Picture 17">
             <a:extLst>
               <a:ext uri="{FF2B5EF4-FFF2-40B4-BE49-F238E27FC236}">
-                <a16:creationId xmlns:a16="http://schemas.microsoft.com/office/drawing/2014/main" id="{78BDC604-6480-4867-938F-0066DD5D43F9}"/>
+                <a16:creationId xmlns:a16="http://schemas.microsoft.com/office/drawing/2014/main" id="{A5AC0DB2-628A-42F2-989D-1C9EDEB87C80}"/>
               </a:ext>
             </a:extLst>
           </p:cNvPr>
@@ -6301,56 +6313,20 @@
         </p:blipFill>
         <p:spPr>
           <a:xfrm>
-            <a:off x="1370127" y="2338609"/>
-            <a:ext cx="7069209" cy="1518733"/>
+            <a:off x="1120730" y="2491106"/>
+            <a:ext cx="4238449" cy="2658011"/>
           </a:xfrm>
           <a:prstGeom prst="rect">
             <a:avLst/>
           </a:prstGeom>
         </p:spPr>
       </p:pic>
-      <p:sp>
-        <p:nvSpPr>
-          <p:cNvPr id="13" name="Content Placeholder 12">
+      <p:pic>
+        <p:nvPicPr>
+          <p:cNvPr id="22" name="Picture 21">
             <a:extLst>
               <a:ext uri="{FF2B5EF4-FFF2-40B4-BE49-F238E27FC236}">
-                <a16:creationId xmlns:a16="http://schemas.microsoft.com/office/drawing/2014/main" id="{6391F30C-A8B2-4AA1-B529-A6C2B027AD96}"/>
-              </a:ext>
-            </a:extLst>
-          </p:cNvPr>
-          <p:cNvSpPr>
-            <a:spLocks noGrp="1"/>
-          </p:cNvSpPr>
-          <p:nvPr>
-            <p:ph idx="1"/>
-          </p:nvPr>
-        </p:nvSpPr>
-        <p:spPr>
-          <a:xfrm>
-            <a:off x="852778" y="1701740"/>
-            <a:ext cx="10820400" cy="636869"/>
-          </a:xfrm>
-        </p:spPr>
-        <p:txBody>
-          <a:bodyPr>
-            <a:normAutofit/>
-          </a:bodyPr>
-          <a:lstStyle/>
-          <a:p>
-            <a:r>
-              <a:rPr lang="en-US" sz="3200" dirty="0"/>
-              <a:t>Train with simple linear regression</a:t>
-            </a:r>
-            <a:endParaRPr lang="th-TH" sz="3200" dirty="0"/>
-          </a:p>
-        </p:txBody>
-      </p:sp>
-      <p:pic>
-        <p:nvPicPr>
-          <p:cNvPr id="19" name="Picture 18">
-            <a:extLst>
-              <a:ext uri="{FF2B5EF4-FFF2-40B4-BE49-F238E27FC236}">
-                <a16:creationId xmlns:a16="http://schemas.microsoft.com/office/drawing/2014/main" id="{36582F25-15A8-45F7-9D88-FAB040758764}"/>
+                <a16:creationId xmlns:a16="http://schemas.microsoft.com/office/drawing/2014/main" id="{E955EB18-0C5F-4177-ADE7-9E80B29BE82A}"/>
               </a:ext>
             </a:extLst>
           </p:cNvPr>
@@ -6373,214 +6349,14 @@
         </p:blipFill>
         <p:spPr>
           <a:xfrm>
-            <a:off x="1370128" y="4733801"/>
-            <a:ext cx="9451743" cy="1605014"/>
+            <a:off x="7070212" y="1902235"/>
+            <a:ext cx="4001058" cy="4010585"/>
           </a:xfrm>
           <a:prstGeom prst="rect">
             <a:avLst/>
           </a:prstGeom>
         </p:spPr>
       </p:pic>
-      <p:sp>
-        <p:nvSpPr>
-          <p:cNvPr id="20" name="Content Placeholder 12">
-            <a:extLst>
-              <a:ext uri="{FF2B5EF4-FFF2-40B4-BE49-F238E27FC236}">
-                <a16:creationId xmlns:a16="http://schemas.microsoft.com/office/drawing/2014/main" id="{7D5A2B87-EB4D-4456-BA90-964BF0C631FA}"/>
-              </a:ext>
-            </a:extLst>
-          </p:cNvPr>
-          <p:cNvSpPr txBox="1">
-            <a:spLocks/>
-          </p:cNvSpPr>
-          <p:nvPr/>
-        </p:nvSpPr>
-        <p:spPr>
-          <a:xfrm>
-            <a:off x="852778" y="4096932"/>
-            <a:ext cx="10820400" cy="636869"/>
-          </a:xfrm>
-          <a:prstGeom prst="rect">
-            <a:avLst/>
-          </a:prstGeom>
-        </p:spPr>
-        <p:txBody>
-          <a:bodyPr vert="horz" lIns="91440" tIns="45720" rIns="91440" bIns="45720" rtlCol="0">
-            <a:normAutofit/>
-          </a:bodyPr>
-          <a:lstStyle>
-            <a:lvl1pPr marL="228600" indent="-228600" algn="l" defTabSz="914400" rtl="0" eaLnBrk="1" latinLnBrk="0" hangingPunct="1">
-              <a:lnSpc>
-                <a:spcPct val="90000"/>
-              </a:lnSpc>
-              <a:spcBef>
-                <a:spcPts val="1000"/>
-              </a:spcBef>
-              <a:buFont typeface="Arial" panose="020B0604020202020204" pitchFamily="34" charset="0"/>
-              <a:buChar char="•"/>
-              <a:defRPr sz="2200" kern="1200">
-                <a:solidFill>
-                  <a:schemeClr val="tx1"/>
-                </a:solidFill>
-                <a:latin typeface="+mn-lt"/>
-                <a:ea typeface="+mn-ea"/>
-                <a:cs typeface="+mn-cs"/>
-              </a:defRPr>
-            </a:lvl1pPr>
-            <a:lvl2pPr marL="685800" indent="-228600" algn="l" defTabSz="914400" rtl="0" eaLnBrk="1" latinLnBrk="0" hangingPunct="1">
-              <a:lnSpc>
-                <a:spcPct val="90000"/>
-              </a:lnSpc>
-              <a:spcBef>
-                <a:spcPts val="500"/>
-              </a:spcBef>
-              <a:buFont typeface="Arial" panose="020B0604020202020204" pitchFamily="34" charset="0"/>
-              <a:buChar char="•"/>
-              <a:defRPr sz="2000" kern="1200">
-                <a:solidFill>
-                  <a:schemeClr val="tx1"/>
-                </a:solidFill>
-                <a:latin typeface="+mn-lt"/>
-                <a:ea typeface="+mn-ea"/>
-                <a:cs typeface="+mn-cs"/>
-              </a:defRPr>
-            </a:lvl2pPr>
-            <a:lvl3pPr marL="1143000" indent="-228600" algn="l" defTabSz="914400" rtl="0" eaLnBrk="1" latinLnBrk="0" hangingPunct="1">
-              <a:lnSpc>
-                <a:spcPct val="90000"/>
-              </a:lnSpc>
-              <a:spcBef>
-                <a:spcPts val="500"/>
-              </a:spcBef>
-              <a:buFont typeface="Arial" panose="020B0604020202020204" pitchFamily="34" charset="0"/>
-              <a:buChar char="•"/>
-              <a:defRPr sz="1800" kern="1200">
-                <a:solidFill>
-                  <a:schemeClr val="tx1"/>
-                </a:solidFill>
-                <a:latin typeface="+mn-lt"/>
-                <a:ea typeface="+mn-ea"/>
-                <a:cs typeface="+mn-cs"/>
-              </a:defRPr>
-            </a:lvl3pPr>
-            <a:lvl4pPr marL="1600200" indent="-228600" algn="l" defTabSz="914400" rtl="0" eaLnBrk="1" latinLnBrk="0" hangingPunct="1">
-              <a:lnSpc>
-                <a:spcPct val="90000"/>
-              </a:lnSpc>
-              <a:spcBef>
-                <a:spcPts val="500"/>
-              </a:spcBef>
-              <a:buFont typeface="Arial" panose="020B0604020202020204" pitchFamily="34" charset="0"/>
-              <a:buChar char="•"/>
-              <a:defRPr sz="1600" kern="1200">
-                <a:solidFill>
-                  <a:schemeClr val="tx1"/>
-                </a:solidFill>
-                <a:latin typeface="+mn-lt"/>
-                <a:ea typeface="+mn-ea"/>
-                <a:cs typeface="+mn-cs"/>
-              </a:defRPr>
-            </a:lvl4pPr>
-            <a:lvl5pPr marL="2057400" indent="-228600" algn="l" defTabSz="914400" rtl="0" eaLnBrk="1" latinLnBrk="0" hangingPunct="1">
-              <a:lnSpc>
-                <a:spcPct val="90000"/>
-              </a:lnSpc>
-              <a:spcBef>
-                <a:spcPts val="500"/>
-              </a:spcBef>
-              <a:buFont typeface="Arial" panose="020B0604020202020204" pitchFamily="34" charset="0"/>
-              <a:buChar char="•"/>
-              <a:defRPr sz="1600" kern="1200">
-                <a:solidFill>
-                  <a:schemeClr val="tx1"/>
-                </a:solidFill>
-                <a:latin typeface="+mn-lt"/>
-                <a:ea typeface="+mn-ea"/>
-                <a:cs typeface="+mn-cs"/>
-              </a:defRPr>
-            </a:lvl5pPr>
-            <a:lvl6pPr marL="2514600" indent="-228600" algn="l" defTabSz="914400" rtl="0" eaLnBrk="1" latinLnBrk="0" hangingPunct="1">
-              <a:lnSpc>
-                <a:spcPct val="90000"/>
-              </a:lnSpc>
-              <a:spcBef>
-                <a:spcPts val="500"/>
-              </a:spcBef>
-              <a:buFont typeface="Arial" panose="020B0604020202020204" pitchFamily="34" charset="0"/>
-              <a:buChar char="•"/>
-              <a:defRPr sz="1600" kern="1200">
-                <a:solidFill>
-                  <a:schemeClr val="tx1"/>
-                </a:solidFill>
-                <a:latin typeface="+mn-lt"/>
-                <a:ea typeface="+mn-ea"/>
-                <a:cs typeface="+mn-cs"/>
-              </a:defRPr>
-            </a:lvl6pPr>
-            <a:lvl7pPr marL="2971800" indent="-228600" algn="l" defTabSz="914400" rtl="0" eaLnBrk="1" latinLnBrk="0" hangingPunct="1">
-              <a:lnSpc>
-                <a:spcPct val="90000"/>
-              </a:lnSpc>
-              <a:spcBef>
-                <a:spcPts val="500"/>
-              </a:spcBef>
-              <a:buFont typeface="Arial" panose="020B0604020202020204" pitchFamily="34" charset="0"/>
-              <a:buChar char="•"/>
-              <a:defRPr sz="1600" kern="1200">
-                <a:solidFill>
-                  <a:schemeClr val="tx1"/>
-                </a:solidFill>
-                <a:latin typeface="+mn-lt"/>
-                <a:ea typeface="+mn-ea"/>
-                <a:cs typeface="+mn-cs"/>
-              </a:defRPr>
-            </a:lvl7pPr>
-            <a:lvl8pPr marL="3429000" indent="-228600" algn="l" defTabSz="914400" rtl="0" eaLnBrk="1" latinLnBrk="0" hangingPunct="1">
-              <a:lnSpc>
-                <a:spcPct val="90000"/>
-              </a:lnSpc>
-              <a:spcBef>
-                <a:spcPts val="500"/>
-              </a:spcBef>
-              <a:buFont typeface="Arial" panose="020B0604020202020204" pitchFamily="34" charset="0"/>
-              <a:buChar char="•"/>
-              <a:defRPr sz="1600" kern="1200">
-                <a:solidFill>
-                  <a:schemeClr val="tx1"/>
-                </a:solidFill>
-                <a:latin typeface="+mn-lt"/>
-                <a:ea typeface="+mn-ea"/>
-                <a:cs typeface="+mn-cs"/>
-              </a:defRPr>
-            </a:lvl8pPr>
-            <a:lvl9pPr marL="3886200" indent="-228600" algn="l" defTabSz="914400" rtl="0" eaLnBrk="1" latinLnBrk="0" hangingPunct="1">
-              <a:lnSpc>
-                <a:spcPct val="90000"/>
-              </a:lnSpc>
-              <a:spcBef>
-                <a:spcPts val="500"/>
-              </a:spcBef>
-              <a:buFont typeface="Arial" panose="020B0604020202020204" pitchFamily="34" charset="0"/>
-              <a:buChar char="•"/>
-              <a:defRPr sz="1600" kern="1200">
-                <a:solidFill>
-                  <a:schemeClr val="tx1"/>
-                </a:solidFill>
-                <a:latin typeface="+mn-lt"/>
-                <a:ea typeface="+mn-ea"/>
-                <a:cs typeface="+mn-cs"/>
-              </a:defRPr>
-            </a:lvl9pPr>
-          </a:lstStyle>
-          <a:p>
-            <a:r>
-              <a:rPr lang="en-US" sz="3200" dirty="0"/>
-              <a:t>Train with multiple linear regression</a:t>
-            </a:r>
-            <a:endParaRPr lang="th-TH" sz="3200" dirty="0"/>
-          </a:p>
-        </p:txBody>
-      </p:sp>
     </p:spTree>
     <p:extLst>
       <p:ext uri="{BB962C8B-B14F-4D97-AF65-F5344CB8AC3E}">
